--- a/Lab_2/Cape Lab_A2.pptx
+++ b/Lab_2/Cape Lab_A2.pptx
@@ -7795,7 +7795,7 @@
                 <a:latin typeface="Times New Roman" panose="02020603050405020304" pitchFamily="18" charset="0"/>
                 <a:cs typeface="Times New Roman" panose="02020603050405020304" pitchFamily="18" charset="0"/>
               </a:rPr>
-              <a:t>b) </a:t>
+              <a:t>a) </a:t>
             </a:r>
             <a:r>
               <a:rPr lang="en-US" sz="5400" u="sng" dirty="0">
@@ -9075,8 +9075,8 @@
           </a:p>
         </p:txBody>
       </p:sp>
-      <mc:AlternateContent xmlns:mc="http://schemas.openxmlformats.org/markup-compatibility/2006">
-        <mc:Choice xmlns:a14="http://schemas.microsoft.com/office/drawing/2010/main" Requires="a14">
+      <mc:AlternateContent xmlns:mc="http://schemas.openxmlformats.org/markup-compatibility/2006" xmlns:a14="http://schemas.microsoft.com/office/drawing/2010/main">
+        <mc:Choice Requires="a14">
           <p:sp>
             <p:nvSpPr>
               <p:cNvPr id="73" name="Rectangle 72">
@@ -9224,7 +9224,7 @@
             </p:txBody>
           </p:sp>
         </mc:Choice>
-        <mc:Fallback>
+        <mc:Fallback xmlns="">
           <p:sp>
             <p:nvSpPr>
               <p:cNvPr id="73" name="Rectangle 72">
@@ -9269,8 +9269,8 @@
           </p:sp>
         </mc:Fallback>
       </mc:AlternateContent>
-      <mc:AlternateContent xmlns:mc="http://schemas.openxmlformats.org/markup-compatibility/2006">
-        <mc:Choice xmlns:a14="http://schemas.microsoft.com/office/drawing/2010/main" Requires="a14">
+      <mc:AlternateContent xmlns:mc="http://schemas.openxmlformats.org/markup-compatibility/2006" xmlns:a14="http://schemas.microsoft.com/office/drawing/2010/main">
+        <mc:Choice Requires="a14">
           <p:sp>
             <p:nvSpPr>
               <p:cNvPr id="74" name="Rectangle 73">
@@ -9434,7 +9434,7 @@
             </p:txBody>
           </p:sp>
         </mc:Choice>
-        <mc:Fallback>
+        <mc:Fallback xmlns="">
           <p:sp>
             <p:nvSpPr>
               <p:cNvPr id="74" name="Rectangle 73">
@@ -9519,8 +9519,8 @@
           </a:p>
         </p:txBody>
       </p:sp>
-      <mc:AlternateContent xmlns:mc="http://schemas.openxmlformats.org/markup-compatibility/2006">
-        <mc:Choice xmlns:a14="http://schemas.microsoft.com/office/drawing/2010/main" Requires="a14">
+      <mc:AlternateContent xmlns:mc="http://schemas.openxmlformats.org/markup-compatibility/2006" xmlns:a14="http://schemas.microsoft.com/office/drawing/2010/main">
+        <mc:Choice Requires="a14">
           <p:sp>
             <p:nvSpPr>
               <p:cNvPr id="78" name="Rectangle 77">
@@ -9669,7 +9669,7 @@
             </p:txBody>
           </p:sp>
         </mc:Choice>
-        <mc:Fallback>
+        <mc:Fallback xmlns="">
           <p:sp>
             <p:nvSpPr>
               <p:cNvPr id="78" name="Rectangle 77">
@@ -9714,8 +9714,8 @@
           </p:sp>
         </mc:Fallback>
       </mc:AlternateContent>
-      <mc:AlternateContent xmlns:mc="http://schemas.openxmlformats.org/markup-compatibility/2006">
-        <mc:Choice xmlns:a14="http://schemas.microsoft.com/office/drawing/2010/main" Requires="a14">
+      <mc:AlternateContent xmlns:mc="http://schemas.openxmlformats.org/markup-compatibility/2006" xmlns:a14="http://schemas.microsoft.com/office/drawing/2010/main">
+        <mc:Choice Requires="a14">
           <p:sp>
             <p:nvSpPr>
               <p:cNvPr id="79" name="Rectangle 78">
@@ -9864,7 +9864,7 @@
             </p:txBody>
           </p:sp>
         </mc:Choice>
-        <mc:Fallback>
+        <mc:Fallback xmlns="">
           <p:sp>
             <p:nvSpPr>
               <p:cNvPr id="79" name="Rectangle 78">
@@ -9909,8 +9909,8 @@
           </p:sp>
         </mc:Fallback>
       </mc:AlternateContent>
-      <mc:AlternateContent xmlns:mc="http://schemas.openxmlformats.org/markup-compatibility/2006">
-        <mc:Choice xmlns:a14="http://schemas.microsoft.com/office/drawing/2010/main" Requires="a14">
+      <mc:AlternateContent xmlns:mc="http://schemas.openxmlformats.org/markup-compatibility/2006" xmlns:a14="http://schemas.microsoft.com/office/drawing/2010/main">
+        <mc:Choice Requires="a14">
           <p:sp>
             <p:nvSpPr>
               <p:cNvPr id="81" name="Rectangle 80">
@@ -10117,7 +10117,7 @@
             </p:txBody>
           </p:sp>
         </mc:Choice>
-        <mc:Fallback>
+        <mc:Fallback xmlns="">
           <p:sp>
             <p:nvSpPr>
               <p:cNvPr id="81" name="Rectangle 80">
@@ -11111,8 +11111,8 @@
           </a:p>
         </p:txBody>
       </p:sp>
-      <mc:AlternateContent xmlns:mc="http://schemas.openxmlformats.org/markup-compatibility/2006">
-        <mc:Choice xmlns:a14="http://schemas.microsoft.com/office/drawing/2010/main" Requires="a14">
+      <mc:AlternateContent xmlns:mc="http://schemas.openxmlformats.org/markup-compatibility/2006" xmlns:a14="http://schemas.microsoft.com/office/drawing/2010/main">
+        <mc:Choice Requires="a14">
           <p:sp>
             <p:nvSpPr>
               <p:cNvPr id="11" name="TextBox 10">
@@ -11602,7 +11602,7 @@
             </p:txBody>
           </p:sp>
         </mc:Choice>
-        <mc:Fallback>
+        <mc:Fallback xmlns="">
           <p:sp>
             <p:nvSpPr>
               <p:cNvPr id="11" name="TextBox 10">
@@ -13306,6 +13306,26 @@
 </file>
 
 <file path=customXml/item1.xml><?xml version="1.0" encoding="utf-8"?>
+<p:properties xmlns:p="http://schemas.microsoft.com/office/2006/metadata/properties" xmlns:xsi="http://www.w3.org/2001/XMLSchema-instance" xmlns:pc="http://schemas.microsoft.com/office/infopath/2007/PartnerControls">
+  <documentManagement>
+    <_ip_UnifiedCompliancePolicyUIAction xmlns="http://schemas.microsoft.com/sharepoint/v3" xsi:nil="true"/>
+    <Image xmlns="71af3243-3dd4-4a8d-8c0d-dd76da1f02a5">
+      <Url xsi:nil="true"/>
+      <Description xsi:nil="true"/>
+    </Image>
+    <Status xmlns="71af3243-3dd4-4a8d-8c0d-dd76da1f02a5">Not started</Status>
+    <Background xmlns="71af3243-3dd4-4a8d-8c0d-dd76da1f02a5">false</Background>
+    <_ip_UnifiedCompliancePolicyProperties xmlns="http://schemas.microsoft.com/sharepoint/v3" xsi:nil="true"/>
+    <ImageTagsTaxHTField xmlns="71af3243-3dd4-4a8d-8c0d-dd76da1f02a5">
+      <Terms xmlns="http://schemas.microsoft.com/office/infopath/2007/PartnerControls"/>
+    </ImageTagsTaxHTField>
+    <TaxCatchAll xmlns="230e9df3-be65-4c73-a93b-d1236ebd677e" xsi:nil="true"/>
+    <MediaServiceKeyPoints xmlns="71af3243-3dd4-4a8d-8c0d-dd76da1f02a5" xsi:nil="true"/>
+  </documentManagement>
+</p:properties>
+</file>
+
+<file path=customXml/item2.xml><?xml version="1.0" encoding="utf-8"?>
 <ct:contentTypeSchema xmlns:ct="http://schemas.microsoft.com/office/2006/metadata/contentType" xmlns:ma="http://schemas.microsoft.com/office/2006/metadata/properties/metaAttributes" ct:_="" ma:_="" ma:contentTypeName="Document" ma:contentTypeID="0x01010079F111ED35F8CC479449609E8A0923A6" ma:contentTypeVersion="28" ma:contentTypeDescription="Create a new document." ma:contentTypeScope="" ma:versionID="60f5a4f2d2b0abadcf532d48ebf9cb71">
   <xsd:schema xmlns:xsd="http://www.w3.org/2001/XMLSchema" xmlns:xs="http://www.w3.org/2001/XMLSchema" xmlns:p="http://schemas.microsoft.com/office/2006/metadata/properties" xmlns:ns1="http://schemas.microsoft.com/sharepoint/v3" xmlns:ns2="71af3243-3dd4-4a8d-8c0d-dd76da1f02a5" xmlns:ns3="16c05727-aa75-4e4a-9b5f-8a80a1165891" xmlns:ns4="230e9df3-be65-4c73-a93b-d1236ebd677e" targetNamespace="http://schemas.microsoft.com/office/2006/metadata/properties" ma:root="true" ma:fieldsID="7dd78129e6a1811f84807ad11c651531" ns1:_="" ns2:_="" ns3:_="" ns4:_="">
     <xsd:import namespace="http://schemas.microsoft.com/sharepoint/v3"/>
@@ -13617,26 +13637,6 @@
 </ct:contentTypeSchema>
 </file>
 
-<file path=customXml/item2.xml><?xml version="1.0" encoding="utf-8"?>
-<p:properties xmlns:p="http://schemas.microsoft.com/office/2006/metadata/properties" xmlns:xsi="http://www.w3.org/2001/XMLSchema-instance" xmlns:pc="http://schemas.microsoft.com/office/infopath/2007/PartnerControls">
-  <documentManagement>
-    <_ip_UnifiedCompliancePolicyUIAction xmlns="http://schemas.microsoft.com/sharepoint/v3" xsi:nil="true"/>
-    <Image xmlns="71af3243-3dd4-4a8d-8c0d-dd76da1f02a5">
-      <Url xsi:nil="true"/>
-      <Description xsi:nil="true"/>
-    </Image>
-    <Status xmlns="71af3243-3dd4-4a8d-8c0d-dd76da1f02a5">Not started</Status>
-    <Background xmlns="71af3243-3dd4-4a8d-8c0d-dd76da1f02a5">false</Background>
-    <_ip_UnifiedCompliancePolicyProperties xmlns="http://schemas.microsoft.com/sharepoint/v3" xsi:nil="true"/>
-    <ImageTagsTaxHTField xmlns="71af3243-3dd4-4a8d-8c0d-dd76da1f02a5">
-      <Terms xmlns="http://schemas.microsoft.com/office/infopath/2007/PartnerControls"/>
-    </ImageTagsTaxHTField>
-    <TaxCatchAll xmlns="230e9df3-be65-4c73-a93b-d1236ebd677e" xsi:nil="true"/>
-    <MediaServiceKeyPoints xmlns="71af3243-3dd4-4a8d-8c0d-dd76da1f02a5" xsi:nil="true"/>
-  </documentManagement>
-</p:properties>
-</file>
-
 <file path=customXml/item3.xml><?xml version="1.0" encoding="utf-8"?>
 <?mso-contentType ?>
 <FormTemplates xmlns="http://schemas.microsoft.com/sharepoint/v3/contenttype/forms">
@@ -13647,6 +13647,25 @@
 </file>
 
 <file path=customXml/itemProps1.xml><?xml version="1.0" encoding="utf-8"?>
+<ds:datastoreItem xmlns:ds="http://schemas.openxmlformats.org/officeDocument/2006/customXml" ds:itemID="{B881D8D6-8849-400B-8BC9-21D401C7DD06}">
+  <ds:schemaRefs>
+    <ds:schemaRef ds:uri="http://purl.org/dc/elements/1.1/"/>
+    <ds:schemaRef ds:uri="71af3243-3dd4-4a8d-8c0d-dd76da1f02a5"/>
+    <ds:schemaRef ds:uri="http://schemas.microsoft.com/office/2006/documentManagement/types"/>
+    <ds:schemaRef ds:uri="http://schemas.microsoft.com/office/2006/metadata/properties"/>
+    <ds:schemaRef ds:uri="http://schemas.microsoft.com/office/infopath/2007/PartnerControls"/>
+    <ds:schemaRef ds:uri="16c05727-aa75-4e4a-9b5f-8a80a1165891"/>
+    <ds:schemaRef ds:uri="http://schemas.openxmlformats.org/package/2006/metadata/core-properties"/>
+    <ds:schemaRef ds:uri="http://purl.org/dc/dcmitype/"/>
+    <ds:schemaRef ds:uri="230e9df3-be65-4c73-a93b-d1236ebd677e"/>
+    <ds:schemaRef ds:uri="http://schemas.microsoft.com/sharepoint/v3"/>
+    <ds:schemaRef ds:uri="http://www.w3.org/XML/1998/namespace"/>
+    <ds:schemaRef ds:uri="http://purl.org/dc/terms/"/>
+  </ds:schemaRefs>
+</ds:datastoreItem>
+</file>
+
+<file path=customXml/itemProps2.xml><?xml version="1.0" encoding="utf-8"?>
 <ds:datastoreItem xmlns:ds="http://schemas.openxmlformats.org/officeDocument/2006/customXml" ds:itemID="{C9A734A7-6096-47AA-9737-CDF62701A00D}">
   <ds:schemaRefs>
     <ds:schemaRef ds:uri="http://schemas.microsoft.com/office/2006/metadata/contentType"/>
@@ -13667,25 +13686,6 @@
 </ds:datastoreItem>
 </file>
 
-<file path=customXml/itemProps2.xml><?xml version="1.0" encoding="utf-8"?>
-<ds:datastoreItem xmlns:ds="http://schemas.openxmlformats.org/officeDocument/2006/customXml" ds:itemID="{B881D8D6-8849-400B-8BC9-21D401C7DD06}">
-  <ds:schemaRefs>
-    <ds:schemaRef ds:uri="http://purl.org/dc/elements/1.1/"/>
-    <ds:schemaRef ds:uri="71af3243-3dd4-4a8d-8c0d-dd76da1f02a5"/>
-    <ds:schemaRef ds:uri="http://schemas.microsoft.com/office/2006/documentManagement/types"/>
-    <ds:schemaRef ds:uri="http://schemas.microsoft.com/office/2006/metadata/properties"/>
-    <ds:schemaRef ds:uri="http://schemas.microsoft.com/office/infopath/2007/PartnerControls"/>
-    <ds:schemaRef ds:uri="16c05727-aa75-4e4a-9b5f-8a80a1165891"/>
-    <ds:schemaRef ds:uri="http://schemas.openxmlformats.org/package/2006/metadata/core-properties"/>
-    <ds:schemaRef ds:uri="http://purl.org/dc/dcmitype/"/>
-    <ds:schemaRef ds:uri="230e9df3-be65-4c73-a93b-d1236ebd677e"/>
-    <ds:schemaRef ds:uri="http://schemas.microsoft.com/sharepoint/v3"/>
-    <ds:schemaRef ds:uri="http://www.w3.org/XML/1998/namespace"/>
-    <ds:schemaRef ds:uri="http://purl.org/dc/terms/"/>
-  </ds:schemaRefs>
-</ds:datastoreItem>
-</file>
-
 <file path=customXml/itemProps3.xml><?xml version="1.0" encoding="utf-8"?>
 <ds:datastoreItem xmlns:ds="http://schemas.openxmlformats.org/officeDocument/2006/customXml" ds:itemID="{DF8397A0-8C35-4EEE-8E61-47C914415B57}">
   <ds:schemaRefs>

--- a/Lab_2/Cape Lab_A2.pptx
+++ b/Lab_2/Cape Lab_A2.pptx
@@ -252,7 +252,7 @@
           <a:p>
             <a:fld id="{7FF95820-84BB-3447-8286-60A51307E7F2}" type="datetimeFigureOut">
               <a:rPr lang="en-US" smtClean="0"/>
-              <a:t>1/31/2025</a:t>
+              <a:t>2/5/2025</a:t>
             </a:fld>
             <a:endParaRPr lang="en-US" dirty="0"/>
           </a:p>
@@ -430,7 +430,7 @@
           <a:p>
             <a:fld id="{FC08FC54-6AE4-6A4A-9756-823A0F1BE5A6}" type="datetimeFigureOut">
               <a:rPr lang="en-US" smtClean="0"/>
-              <a:t>1/31/2025</a:t>
+              <a:t>2/5/2025</a:t>
             </a:fld>
             <a:endParaRPr lang="en-US" dirty="0"/>
           </a:p>
@@ -13306,26 +13306,6 @@
 </file>
 
 <file path=customXml/item1.xml><?xml version="1.0" encoding="utf-8"?>
-<p:properties xmlns:p="http://schemas.microsoft.com/office/2006/metadata/properties" xmlns:xsi="http://www.w3.org/2001/XMLSchema-instance" xmlns:pc="http://schemas.microsoft.com/office/infopath/2007/PartnerControls">
-  <documentManagement>
-    <_ip_UnifiedCompliancePolicyUIAction xmlns="http://schemas.microsoft.com/sharepoint/v3" xsi:nil="true"/>
-    <Image xmlns="71af3243-3dd4-4a8d-8c0d-dd76da1f02a5">
-      <Url xsi:nil="true"/>
-      <Description xsi:nil="true"/>
-    </Image>
-    <Status xmlns="71af3243-3dd4-4a8d-8c0d-dd76da1f02a5">Not started</Status>
-    <Background xmlns="71af3243-3dd4-4a8d-8c0d-dd76da1f02a5">false</Background>
-    <_ip_UnifiedCompliancePolicyProperties xmlns="http://schemas.microsoft.com/sharepoint/v3" xsi:nil="true"/>
-    <ImageTagsTaxHTField xmlns="71af3243-3dd4-4a8d-8c0d-dd76da1f02a5">
-      <Terms xmlns="http://schemas.microsoft.com/office/infopath/2007/PartnerControls"/>
-    </ImageTagsTaxHTField>
-    <TaxCatchAll xmlns="230e9df3-be65-4c73-a93b-d1236ebd677e" xsi:nil="true"/>
-    <MediaServiceKeyPoints xmlns="71af3243-3dd4-4a8d-8c0d-dd76da1f02a5" xsi:nil="true"/>
-  </documentManagement>
-</p:properties>
-</file>
-
-<file path=customXml/item2.xml><?xml version="1.0" encoding="utf-8"?>
 <ct:contentTypeSchema xmlns:ct="http://schemas.microsoft.com/office/2006/metadata/contentType" xmlns:ma="http://schemas.microsoft.com/office/2006/metadata/properties/metaAttributes" ct:_="" ma:_="" ma:contentTypeName="Document" ma:contentTypeID="0x01010079F111ED35F8CC479449609E8A0923A6" ma:contentTypeVersion="28" ma:contentTypeDescription="Create a new document." ma:contentTypeScope="" ma:versionID="60f5a4f2d2b0abadcf532d48ebf9cb71">
   <xsd:schema xmlns:xsd="http://www.w3.org/2001/XMLSchema" xmlns:xs="http://www.w3.org/2001/XMLSchema" xmlns:p="http://schemas.microsoft.com/office/2006/metadata/properties" xmlns:ns1="http://schemas.microsoft.com/sharepoint/v3" xmlns:ns2="71af3243-3dd4-4a8d-8c0d-dd76da1f02a5" xmlns:ns3="16c05727-aa75-4e4a-9b5f-8a80a1165891" xmlns:ns4="230e9df3-be65-4c73-a93b-d1236ebd677e" targetNamespace="http://schemas.microsoft.com/office/2006/metadata/properties" ma:root="true" ma:fieldsID="7dd78129e6a1811f84807ad11c651531" ns1:_="" ns2:_="" ns3:_="" ns4:_="">
     <xsd:import namespace="http://schemas.microsoft.com/sharepoint/v3"/>
@@ -13637,6 +13617,26 @@
 </ct:contentTypeSchema>
 </file>
 
+<file path=customXml/item2.xml><?xml version="1.0" encoding="utf-8"?>
+<p:properties xmlns:p="http://schemas.microsoft.com/office/2006/metadata/properties" xmlns:xsi="http://www.w3.org/2001/XMLSchema-instance" xmlns:pc="http://schemas.microsoft.com/office/infopath/2007/PartnerControls">
+  <documentManagement>
+    <_ip_UnifiedCompliancePolicyUIAction xmlns="http://schemas.microsoft.com/sharepoint/v3" xsi:nil="true"/>
+    <Image xmlns="71af3243-3dd4-4a8d-8c0d-dd76da1f02a5">
+      <Url xsi:nil="true"/>
+      <Description xsi:nil="true"/>
+    </Image>
+    <Status xmlns="71af3243-3dd4-4a8d-8c0d-dd76da1f02a5">Not started</Status>
+    <Background xmlns="71af3243-3dd4-4a8d-8c0d-dd76da1f02a5">false</Background>
+    <_ip_UnifiedCompliancePolicyProperties xmlns="http://schemas.microsoft.com/sharepoint/v3" xsi:nil="true"/>
+    <ImageTagsTaxHTField xmlns="71af3243-3dd4-4a8d-8c0d-dd76da1f02a5">
+      <Terms xmlns="http://schemas.microsoft.com/office/infopath/2007/PartnerControls"/>
+    </ImageTagsTaxHTField>
+    <TaxCatchAll xmlns="230e9df3-be65-4c73-a93b-d1236ebd677e" xsi:nil="true"/>
+    <MediaServiceKeyPoints xmlns="71af3243-3dd4-4a8d-8c0d-dd76da1f02a5" xsi:nil="true"/>
+  </documentManagement>
+</p:properties>
+</file>
+
 <file path=customXml/item3.xml><?xml version="1.0" encoding="utf-8"?>
 <?mso-contentType ?>
 <FormTemplates xmlns="http://schemas.microsoft.com/sharepoint/v3/contenttype/forms">
@@ -13647,25 +13647,6 @@
 </file>
 
 <file path=customXml/itemProps1.xml><?xml version="1.0" encoding="utf-8"?>
-<ds:datastoreItem xmlns:ds="http://schemas.openxmlformats.org/officeDocument/2006/customXml" ds:itemID="{B881D8D6-8849-400B-8BC9-21D401C7DD06}">
-  <ds:schemaRefs>
-    <ds:schemaRef ds:uri="http://purl.org/dc/elements/1.1/"/>
-    <ds:schemaRef ds:uri="71af3243-3dd4-4a8d-8c0d-dd76da1f02a5"/>
-    <ds:schemaRef ds:uri="http://schemas.microsoft.com/office/2006/documentManagement/types"/>
-    <ds:schemaRef ds:uri="http://schemas.microsoft.com/office/2006/metadata/properties"/>
-    <ds:schemaRef ds:uri="http://schemas.microsoft.com/office/infopath/2007/PartnerControls"/>
-    <ds:schemaRef ds:uri="16c05727-aa75-4e4a-9b5f-8a80a1165891"/>
-    <ds:schemaRef ds:uri="http://schemas.openxmlformats.org/package/2006/metadata/core-properties"/>
-    <ds:schemaRef ds:uri="http://purl.org/dc/dcmitype/"/>
-    <ds:schemaRef ds:uri="230e9df3-be65-4c73-a93b-d1236ebd677e"/>
-    <ds:schemaRef ds:uri="http://schemas.microsoft.com/sharepoint/v3"/>
-    <ds:schemaRef ds:uri="http://www.w3.org/XML/1998/namespace"/>
-    <ds:schemaRef ds:uri="http://purl.org/dc/terms/"/>
-  </ds:schemaRefs>
-</ds:datastoreItem>
-</file>
-
-<file path=customXml/itemProps2.xml><?xml version="1.0" encoding="utf-8"?>
 <ds:datastoreItem xmlns:ds="http://schemas.openxmlformats.org/officeDocument/2006/customXml" ds:itemID="{C9A734A7-6096-47AA-9737-CDF62701A00D}">
   <ds:schemaRefs>
     <ds:schemaRef ds:uri="http://schemas.microsoft.com/office/2006/metadata/contentType"/>
@@ -13686,6 +13667,25 @@
 </ds:datastoreItem>
 </file>
 
+<file path=customXml/itemProps2.xml><?xml version="1.0" encoding="utf-8"?>
+<ds:datastoreItem xmlns:ds="http://schemas.openxmlformats.org/officeDocument/2006/customXml" ds:itemID="{B881D8D6-8849-400B-8BC9-21D401C7DD06}">
+  <ds:schemaRefs>
+    <ds:schemaRef ds:uri="http://purl.org/dc/elements/1.1/"/>
+    <ds:schemaRef ds:uri="71af3243-3dd4-4a8d-8c0d-dd76da1f02a5"/>
+    <ds:schemaRef ds:uri="http://schemas.microsoft.com/office/2006/documentManagement/types"/>
+    <ds:schemaRef ds:uri="http://schemas.microsoft.com/office/2006/metadata/properties"/>
+    <ds:schemaRef ds:uri="http://schemas.microsoft.com/office/infopath/2007/PartnerControls"/>
+    <ds:schemaRef ds:uri="16c05727-aa75-4e4a-9b5f-8a80a1165891"/>
+    <ds:schemaRef ds:uri="http://schemas.openxmlformats.org/package/2006/metadata/core-properties"/>
+    <ds:schemaRef ds:uri="http://purl.org/dc/dcmitype/"/>
+    <ds:schemaRef ds:uri="230e9df3-be65-4c73-a93b-d1236ebd677e"/>
+    <ds:schemaRef ds:uri="http://schemas.microsoft.com/sharepoint/v3"/>
+    <ds:schemaRef ds:uri="http://www.w3.org/XML/1998/namespace"/>
+    <ds:schemaRef ds:uri="http://purl.org/dc/terms/"/>
+  </ds:schemaRefs>
+</ds:datastoreItem>
+</file>
+
 <file path=customXml/itemProps3.xml><?xml version="1.0" encoding="utf-8"?>
 <ds:datastoreItem xmlns:ds="http://schemas.openxmlformats.org/officeDocument/2006/customXml" ds:itemID="{DF8397A0-8C35-4EEE-8E61-47C914415B57}">
   <ds:schemaRefs>
